--- a/Web Design & Development/0. Exams/Telerik 2013-2014 - JavaScript Exam 2/JavaScript - Exam Preparation/Exam-preparation.pptx
+++ b/Web Design & Development/0. Exams/Telerik 2013-2014 - JavaScript Exam 2/JavaScript - Exam Preparation/Exam-preparation.pptx
@@ -112,6 +112,11 @@
       </a:defRPr>
     </a:lvl9pPr>
   </p:defaultTextStyle>
+  <p:extLst>
+    <p:ext uri="{EFAFB233-063F-42B5-8137-9DF3F51BA10A}">
+      <p15:sldGuideLst xmlns:p15="http://schemas.microsoft.com/office/powerpoint/2012/main"/>
+    </p:ext>
+  </p:extLst>
 </p:presentation>
 </file>
 
@@ -6224,14 +6229,6 @@
               </a:rPr>
               <a:t>single event for a date</a:t>
             </a:r>
-            <a:endParaRPr lang="en-US" sz="2200" dirty="0" smtClean="0">
-              <a:solidFill>
-                <a:schemeClr val="accent5">
-                  <a:lumMod val="20000"/>
-                  <a:lumOff val="80000"/>
-                </a:schemeClr>
-              </a:solidFill>
-            </a:endParaRPr>
           </a:p>
         </p:txBody>
       </p:sp>
